--- a/results_forestfires.pptx
+++ b/results_forestfires.pptx
@@ -837,6 +837,64 @@
         <p:txBody>
           <a:bodyPr/>
           <a:lstStyle/>
+          <a:p>
+            <a:r>
+              <a:rPr lang="en-GB" dirty="0"/>
+              <a:t>Daily weather observations collected at 12:00 local standard time (LST) of: </a:t>
+            </a:r>
+          </a:p>
+          <a:p>
+            <a:r>
+              <a:rPr lang="en-GB" dirty="0"/>
+              <a:t>• Ambient temperature (°C) </a:t>
+            </a:r>
+          </a:p>
+          <a:p>
+            <a:r>
+              <a:rPr lang="en-GB" dirty="0"/>
+              <a:t>• Relative Humidity (RH) (%) </a:t>
+            </a:r>
+          </a:p>
+          <a:p>
+            <a:r>
+              <a:rPr lang="en-GB" dirty="0"/>
+              <a:t>• Mean wind speed, at 10 m above surface (km/h) </a:t>
+            </a:r>
+          </a:p>
+          <a:p>
+            <a:r>
+              <a:rPr lang="en-GB" dirty="0"/>
+              <a:t>• Rainfall, 24 hr total (mm)</a:t>
+            </a:r>
+          </a:p>
+          <a:p>
+            <a:r>
+              <a:rPr lang="en-US" dirty="0"/>
+              <a:t>F</a:t>
+            </a:r>
+            <a:r>
+              <a:rPr lang="en-GB" dirty="0"/>
+              <a:t>FMC depends on temp RH wind rain and previous FFMC</a:t>
+            </a:r>
+          </a:p>
+          <a:p>
+            <a:r>
+              <a:rPr lang="en-GB" dirty="0"/>
+              <a:t>Initial Spread Index (Describes the potential rate at which a fire will spread )</a:t>
+            </a:r>
+          </a:p>
+          <a:p>
+            <a:r>
+              <a:rPr lang="en-GB" dirty="0"/>
+              <a:t>Fine Fuel Moisture Code (top layer soil)</a:t>
+            </a:r>
+          </a:p>
+          <a:p>
+            <a:r>
+              <a:rPr lang="en-GB" dirty="0"/>
+              <a:t>Duff Moisture Code (lower layer soil)</a:t>
+            </a:r>
+          </a:p>
           <a:p>
             <a:endParaRPr lang="en-GB" dirty="0"/>
           </a:p>
@@ -4649,7 +4707,7 @@
                 <a:latin typeface="Arial" pitchFamily="-108" charset="0"/>
                 <a:ea typeface="ＭＳ Ｐゴシック" pitchFamily="-108" charset="-128"/>
               </a:rPr>
-              <a:t>Forest fire area predictor</a:t>
+              <a:t>Forest fire network</a:t>
             </a:r>
             <a:endParaRPr lang="en-GB" dirty="0"/>
           </a:p>
@@ -4676,44 +4734,44 @@
           <a:bodyPr/>
           <a:lstStyle/>
           <a:p>
+            <a:pPr marL="285750" indent="-285750">
+              <a:buFontTx/>
+              <a:buChar char="-"/>
+            </a:pPr>
             <a:r>
               <a:rPr lang="en-US" dirty="0"/>
-              <a:t>-text here</a:t>
+              <a:t>Continuous and categorical data</a:t>
+            </a:r>
+          </a:p>
+          <a:p>
+            <a:pPr marL="285750" indent="-285750">
+              <a:buFontTx/>
+              <a:buChar char="-"/>
+            </a:pPr>
+            <a:r>
+              <a:rPr lang="en-US" dirty="0"/>
+              <a:t>517 measurements</a:t>
             </a:r>
           </a:p>
           <a:p>
             <a:endParaRPr lang="en-US" dirty="0"/>
           </a:p>
           <a:p>
+            <a:pPr marL="285750" indent="-285750">
+              <a:buFontTx/>
+              <a:buChar char="-"/>
+            </a:pPr>
             <a:r>
               <a:rPr lang="en-US" dirty="0"/>
-              <a:t>And here maybe</a:t>
-            </a:r>
-          </a:p>
-          <a:p>
+              <a:t>Testing implies (in)dependencies</a:t>
+            </a:r>
+          </a:p>
+          <a:p>
+            <a:pPr marL="285750" indent="-285750">
+              <a:buFontTx/>
+              <a:buChar char="-"/>
+            </a:pPr>
             <a:endParaRPr lang="en-US" dirty="0"/>
-          </a:p>
-          <a:p>
-            <a:endParaRPr lang="en-US" dirty="0"/>
-          </a:p>
-          <a:p>
-            <a:endParaRPr lang="en-US" dirty="0"/>
-          </a:p>
-          <a:p>
-            <a:endParaRPr lang="en-US" dirty="0"/>
-          </a:p>
-          <a:p>
-            <a:r>
-              <a:rPr lang="en-US" dirty="0"/>
-              <a:t>Or even down here, Australia-</a:t>
-            </a:r>
-          </a:p>
-          <a:p>
-            <a:r>
-              <a:rPr lang="en-US" dirty="0"/>
-              <a:t>style</a:t>
-            </a:r>
-            <a:endParaRPr lang="en-GB" dirty="0"/>
           </a:p>
         </p:txBody>
       </p:sp>
@@ -4754,6 +4812,140 @@
           </a:ln>
         </p:spPr>
       </p:pic>
+      <p:sp>
+        <p:nvSpPr>
+          <p:cNvPr id="5" name="TextBox 4">
+            <a:extLst>
+              <a:ext uri="{FF2B5EF4-FFF2-40B4-BE49-F238E27FC236}">
+                <a16:creationId xmlns:a16="http://schemas.microsoft.com/office/drawing/2014/main" id="{2640359A-7E23-4DB5-BB6C-99327B5DE7CD}"/>
+              </a:ext>
+            </a:extLst>
+          </p:cNvPr>
+          <p:cNvSpPr txBox="1"/>
+          <p:nvPr/>
+        </p:nvSpPr>
+        <p:spPr>
+          <a:xfrm>
+            <a:off x="587068" y="5301208"/>
+            <a:ext cx="5995559" cy="400110"/>
+          </a:xfrm>
+          <a:prstGeom prst="rect">
+            <a:avLst/>
+          </a:prstGeom>
+          <a:noFill/>
+        </p:spPr>
+        <p:txBody>
+          <a:bodyPr wrap="square" rtlCol="0">
+            <a:spAutoFit/>
+          </a:bodyPr>
+          <a:lstStyle/>
+          <a:p>
+            <a:r>
+              <a:rPr lang="en-GB" sz="1000" dirty="0">
+                <a:solidFill>
+                  <a:schemeClr val="bg1"/>
+                </a:solidFill>
+                <a:latin typeface="+mn-lt"/>
+              </a:rPr>
+              <a:t>Cortez, P., &amp; </a:t>
+            </a:r>
+            <a:r>
+              <a:rPr lang="en-GB" sz="1000" dirty="0" err="1">
+                <a:solidFill>
+                  <a:schemeClr val="bg1"/>
+                </a:solidFill>
+                <a:latin typeface="+mn-lt"/>
+              </a:rPr>
+              <a:t>Morais</a:t>
+            </a:r>
+            <a:r>
+              <a:rPr lang="en-GB" sz="1000" dirty="0">
+                <a:solidFill>
+                  <a:schemeClr val="bg1"/>
+                </a:solidFill>
+                <a:latin typeface="+mn-lt"/>
+              </a:rPr>
+              <a:t>, A. D. J. R. (2007). A data mining approach to predict forest fires using meteorological data.</a:t>
+            </a:r>
+          </a:p>
+        </p:txBody>
+      </p:sp>
+      <p:sp>
+        <p:nvSpPr>
+          <p:cNvPr id="6" name="TextBox 5">
+            <a:extLst>
+              <a:ext uri="{FF2B5EF4-FFF2-40B4-BE49-F238E27FC236}">
+                <a16:creationId xmlns:a16="http://schemas.microsoft.com/office/drawing/2014/main" id="{E9A18FDC-556B-4BE4-BA70-6CBE26D76D5C}"/>
+              </a:ext>
+            </a:extLst>
+          </p:cNvPr>
+          <p:cNvSpPr txBox="1"/>
+          <p:nvPr/>
+        </p:nvSpPr>
+        <p:spPr>
+          <a:xfrm>
+            <a:off x="272480" y="6093296"/>
+            <a:ext cx="6120680" cy="830997"/>
+          </a:xfrm>
+          <a:prstGeom prst="rect">
+            <a:avLst/>
+          </a:prstGeom>
+          <a:noFill/>
+        </p:spPr>
+        <p:txBody>
+          <a:bodyPr wrap="square" rtlCol="0">
+            <a:spAutoFit/>
+          </a:bodyPr>
+          <a:lstStyle/>
+          <a:p>
+            <a:r>
+              <a:rPr lang="nl-NL" sz="1200" dirty="0">
+                <a:solidFill>
+                  <a:schemeClr val="bg1"/>
+                </a:solidFill>
+                <a:latin typeface="+mn-lt"/>
+              </a:rPr>
+              <a:t>Denise Klep, s4210646 </a:t>
+            </a:r>
+          </a:p>
+          <a:p>
+            <a:r>
+              <a:rPr lang="nl-NL" sz="1200" dirty="0">
+                <a:solidFill>
+                  <a:schemeClr val="bg1"/>
+                </a:solidFill>
+                <a:latin typeface="+mn-lt"/>
+              </a:rPr>
+              <a:t>Sven Den Hartog, s1003026 </a:t>
+            </a:r>
+          </a:p>
+          <a:p>
+            <a:r>
+              <a:rPr lang="nl-NL" sz="1200" dirty="0">
+                <a:solidFill>
+                  <a:schemeClr val="bg1"/>
+                </a:solidFill>
+                <a:latin typeface="+mn-lt"/>
+              </a:rPr>
+              <a:t>Jesse Zwamborn, s4314182</a:t>
+            </a:r>
+            <a:endParaRPr lang="en-US" sz="1200" dirty="0">
+              <a:solidFill>
+                <a:schemeClr val="bg1"/>
+              </a:solidFill>
+              <a:latin typeface="+mn-lt"/>
+            </a:endParaRPr>
+          </a:p>
+          <a:p>
+            <a:endParaRPr lang="en-GB" sz="1200" dirty="0">
+              <a:solidFill>
+                <a:schemeClr val="bg1"/>
+              </a:solidFill>
+              <a:latin typeface="+mn-lt"/>
+            </a:endParaRPr>
+          </a:p>
+        </p:txBody>
+      </p:sp>
     </p:spTree>
     <p:extLst>
       <p:ext uri="{BB962C8B-B14F-4D97-AF65-F5344CB8AC3E}">
@@ -4835,31 +5027,97 @@
           <a:bodyPr/>
           <a:lstStyle/>
           <a:p>
+            <a:pPr lvl="1">
+              <a:buFontTx/>
+              <a:buChar char="-"/>
+            </a:pPr>
             <a:r>
               <a:rPr lang="en-US" dirty="0"/>
-              <a:t>Stuff</a:t>
-            </a:r>
-          </a:p>
-          <a:p>
-            <a:endParaRPr lang="en-US" dirty="0"/>
-          </a:p>
-          <a:p>
-            <a:r>
-              <a:rPr lang="en-US" dirty="0"/>
-              <a:t>Conclusions:</a:t>
-            </a:r>
-          </a:p>
-          <a:p>
-            <a:pPr lvl="1"/>
-            <a:r>
-              <a:rPr lang="en-US" dirty="0"/>
-              <a:t>Two males fucking </a:t>
-            </a:r>
-            <a:r>
-              <a:rPr lang="en-US"/>
-              <a:t>is pretty gay</a:t>
-            </a:r>
-            <a:endParaRPr lang="en-GB"/>
+              <a:t>Test</a:t>
+            </a:r>
+          </a:p>
+          <a:p>
+            <a:pPr lvl="1">
+              <a:buFontTx/>
+              <a:buChar char="-"/>
+            </a:pPr>
+            <a:endParaRPr lang="en-GB" dirty="0"/>
+          </a:p>
+        </p:txBody>
+      </p:sp>
+      <p:sp>
+        <p:nvSpPr>
+          <p:cNvPr id="5" name="TextBox 4">
+            <a:extLst>
+              <a:ext uri="{FF2B5EF4-FFF2-40B4-BE49-F238E27FC236}">
+                <a16:creationId xmlns:a16="http://schemas.microsoft.com/office/drawing/2014/main" id="{856B8AE7-4206-4E9E-AD98-147BD5537349}"/>
+              </a:ext>
+            </a:extLst>
+          </p:cNvPr>
+          <p:cNvSpPr txBox="1"/>
+          <p:nvPr/>
+        </p:nvSpPr>
+        <p:spPr>
+          <a:xfrm>
+            <a:off x="272480" y="6093296"/>
+            <a:ext cx="6120680" cy="830997"/>
+          </a:xfrm>
+          <a:prstGeom prst="rect">
+            <a:avLst/>
+          </a:prstGeom>
+          <a:noFill/>
+        </p:spPr>
+        <p:txBody>
+          <a:bodyPr wrap="square" rtlCol="0">
+            <a:spAutoFit/>
+          </a:bodyPr>
+          <a:lstStyle/>
+          <a:p>
+            <a:r>
+              <a:rPr lang="nl-NL" sz="1200" dirty="0">
+                <a:solidFill>
+                  <a:schemeClr val="bg1"/>
+                </a:solidFill>
+                <a:latin typeface="+mn-lt"/>
+              </a:rPr>
+              <a:t>Denise Klep, s4210646 </a:t>
+            </a:r>
+          </a:p>
+          <a:p>
+            <a:r>
+              <a:rPr lang="nl-NL" sz="1200" dirty="0">
+                <a:solidFill>
+                  <a:schemeClr val="bg1"/>
+                </a:solidFill>
+                <a:latin typeface="+mn-lt"/>
+              </a:rPr>
+              <a:t>Sven Den Hartog, s1003026 </a:t>
+            </a:r>
+          </a:p>
+          <a:p>
+            <a:r>
+              <a:rPr lang="nl-NL" sz="1200" dirty="0">
+                <a:solidFill>
+                  <a:schemeClr val="bg1"/>
+                </a:solidFill>
+                <a:latin typeface="+mn-lt"/>
+              </a:rPr>
+              <a:t>Jesse Zwamborn, s4314182</a:t>
+            </a:r>
+            <a:endParaRPr lang="en-US" sz="1200" dirty="0">
+              <a:solidFill>
+                <a:schemeClr val="bg1"/>
+              </a:solidFill>
+              <a:latin typeface="+mn-lt"/>
+            </a:endParaRPr>
+          </a:p>
+          <a:p>
+            <a:endParaRPr lang="en-GB" sz="1200" dirty="0">
+              <a:solidFill>
+                <a:schemeClr val="bg1"/>
+              </a:solidFill>
+              <a:latin typeface="+mn-lt"/>
+            </a:endParaRPr>
           </a:p>
         </p:txBody>
       </p:sp>

--- a/results_forestfires.pptx
+++ b/results_forestfires.pptx
@@ -5,14 +5,13 @@
     <p:sldMasterId id="2147483657" r:id="rId1"/>
   </p:sldMasterIdLst>
   <p:notesMasterIdLst>
-    <p:notesMasterId r:id="rId4"/>
+    <p:notesMasterId r:id="rId3"/>
   </p:notesMasterIdLst>
   <p:handoutMasterIdLst>
-    <p:handoutMasterId r:id="rId5"/>
+    <p:handoutMasterId r:id="rId4"/>
   </p:handoutMasterIdLst>
   <p:sldIdLst>
     <p:sldId id="355" r:id="rId2"/>
-    <p:sldId id="356" r:id="rId3"/>
   </p:sldIdLst>
   <p:sldSz cx="9906000" cy="6858000" type="A4"/>
   <p:notesSz cx="6858000" cy="9144000"/>
@@ -840,31 +839,7 @@
           <a:p>
             <a:r>
               <a:rPr lang="en-GB" dirty="0"/>
-              <a:t>Daily weather observations collected at 12:00 local standard time (LST) of: </a:t>
-            </a:r>
-          </a:p>
-          <a:p>
-            <a:r>
-              <a:rPr lang="en-GB" dirty="0"/>
-              <a:t>• Ambient temperature (°C) </a:t>
-            </a:r>
-          </a:p>
-          <a:p>
-            <a:r>
-              <a:rPr lang="en-GB" dirty="0"/>
-              <a:t>• Relative Humidity (RH) (%) </a:t>
-            </a:r>
-          </a:p>
-          <a:p>
-            <a:r>
-              <a:rPr lang="en-GB" dirty="0"/>
-              <a:t>• Mean wind speed, at 10 m above surface (km/h) </a:t>
-            </a:r>
-          </a:p>
-          <a:p>
-            <a:r>
-              <a:rPr lang="en-GB" dirty="0"/>
-              <a:t>• Rainfall, 24 hr total (mm)</a:t>
+              <a:t>Daily weather observations collected at 12:00 local standard time (LST) of:  • Ambient temperature (°C) • Relative Humidity (RH) (%) • Mean wind speed, at 10 m above surface (km/h) • Rainfall, 24 hr total (mm)</a:t>
             </a:r>
           </a:p>
           <a:p>
@@ -4950,181 +4925,6 @@
     <p:extLst>
       <p:ext uri="{BB962C8B-B14F-4D97-AF65-F5344CB8AC3E}">
         <p14:creationId xmlns:p14="http://schemas.microsoft.com/office/powerpoint/2010/main" val="3130869582"/>
-      </p:ext>
-    </p:extLst>
-  </p:cSld>
-  <p:clrMapOvr>
-    <a:masterClrMapping/>
-  </p:clrMapOvr>
-  <p:transition/>
-</p:sld>
-</file>
-
-<file path=ppt/slides/slide2.xml><?xml version="1.0" encoding="utf-8"?>
-<p:sld xmlns:a="http://schemas.openxmlformats.org/drawingml/2006/main" xmlns:r="http://schemas.openxmlformats.org/officeDocument/2006/relationships" xmlns:p="http://schemas.openxmlformats.org/presentationml/2006/main">
-  <p:cSld>
-    <p:spTree>
-      <p:nvGrpSpPr>
-        <p:cNvPr id="1" name=""/>
-        <p:cNvGrpSpPr/>
-        <p:nvPr/>
-      </p:nvGrpSpPr>
-      <p:grpSpPr>
-        <a:xfrm>
-          <a:off x="0" y="0"/>
-          <a:ext cx="0" cy="0"/>
-          <a:chOff x="0" y="0"/>
-          <a:chExt cx="0" cy="0"/>
-        </a:xfrm>
-      </p:grpSpPr>
-      <p:sp>
-        <p:nvSpPr>
-          <p:cNvPr id="2" name="Title 1">
-            <a:extLst>
-              <a:ext uri="{FF2B5EF4-FFF2-40B4-BE49-F238E27FC236}">
-                <a16:creationId xmlns:a16="http://schemas.microsoft.com/office/drawing/2014/main" id="{D82A7479-0DF6-4C79-A6A1-022F84A38B63}"/>
-              </a:ext>
-            </a:extLst>
-          </p:cNvPr>
-          <p:cNvSpPr>
-            <a:spLocks noGrp="1"/>
-          </p:cNvSpPr>
-          <p:nvPr>
-            <p:ph type="title"/>
-          </p:nvPr>
-        </p:nvSpPr>
-        <p:spPr/>
-        <p:txBody>
-          <a:bodyPr/>
-          <a:lstStyle/>
-          <a:p>
-            <a:r>
-              <a:rPr lang="en-US" dirty="0"/>
-              <a:t>Forest fire network</a:t>
-            </a:r>
-            <a:endParaRPr lang="en-GB" dirty="0"/>
-          </a:p>
-        </p:txBody>
-      </p:sp>
-      <p:sp>
-        <p:nvSpPr>
-          <p:cNvPr id="3" name="Content Placeholder 2">
-            <a:extLst>
-              <a:ext uri="{FF2B5EF4-FFF2-40B4-BE49-F238E27FC236}">
-                <a16:creationId xmlns:a16="http://schemas.microsoft.com/office/drawing/2014/main" id="{35FD6CA6-7044-451A-85D5-DC1C1581D212}"/>
-              </a:ext>
-            </a:extLst>
-          </p:cNvPr>
-          <p:cNvSpPr>
-            <a:spLocks noGrp="1"/>
-          </p:cNvSpPr>
-          <p:nvPr>
-            <p:ph idx="1"/>
-          </p:nvPr>
-        </p:nvSpPr>
-        <p:spPr/>
-        <p:txBody>
-          <a:bodyPr/>
-          <a:lstStyle/>
-          <a:p>
-            <a:pPr lvl="1">
-              <a:buFontTx/>
-              <a:buChar char="-"/>
-            </a:pPr>
-            <a:r>
-              <a:rPr lang="en-US" dirty="0"/>
-              <a:t>Test</a:t>
-            </a:r>
-          </a:p>
-          <a:p>
-            <a:pPr lvl="1">
-              <a:buFontTx/>
-              <a:buChar char="-"/>
-            </a:pPr>
-            <a:endParaRPr lang="en-GB" dirty="0"/>
-          </a:p>
-        </p:txBody>
-      </p:sp>
-      <p:sp>
-        <p:nvSpPr>
-          <p:cNvPr id="5" name="TextBox 4">
-            <a:extLst>
-              <a:ext uri="{FF2B5EF4-FFF2-40B4-BE49-F238E27FC236}">
-                <a16:creationId xmlns:a16="http://schemas.microsoft.com/office/drawing/2014/main" id="{856B8AE7-4206-4E9E-AD98-147BD5537349}"/>
-              </a:ext>
-            </a:extLst>
-          </p:cNvPr>
-          <p:cNvSpPr txBox="1"/>
-          <p:nvPr/>
-        </p:nvSpPr>
-        <p:spPr>
-          <a:xfrm>
-            <a:off x="272480" y="6093296"/>
-            <a:ext cx="6120680" cy="830997"/>
-          </a:xfrm>
-          <a:prstGeom prst="rect">
-            <a:avLst/>
-          </a:prstGeom>
-          <a:noFill/>
-        </p:spPr>
-        <p:txBody>
-          <a:bodyPr wrap="square" rtlCol="0">
-            <a:spAutoFit/>
-          </a:bodyPr>
-          <a:lstStyle/>
-          <a:p>
-            <a:r>
-              <a:rPr lang="nl-NL" sz="1200" dirty="0">
-                <a:solidFill>
-                  <a:schemeClr val="bg1"/>
-                </a:solidFill>
-                <a:latin typeface="+mn-lt"/>
-              </a:rPr>
-              <a:t>Denise Klep, s4210646 </a:t>
-            </a:r>
-          </a:p>
-          <a:p>
-            <a:r>
-              <a:rPr lang="nl-NL" sz="1200" dirty="0">
-                <a:solidFill>
-                  <a:schemeClr val="bg1"/>
-                </a:solidFill>
-                <a:latin typeface="+mn-lt"/>
-              </a:rPr>
-              <a:t>Sven Den Hartog, s1003026 </a:t>
-            </a:r>
-          </a:p>
-          <a:p>
-            <a:r>
-              <a:rPr lang="nl-NL" sz="1200" dirty="0">
-                <a:solidFill>
-                  <a:schemeClr val="bg1"/>
-                </a:solidFill>
-                <a:latin typeface="+mn-lt"/>
-              </a:rPr>
-              <a:t>Jesse Zwamborn, s4314182</a:t>
-            </a:r>
-            <a:endParaRPr lang="en-US" sz="1200" dirty="0">
-              <a:solidFill>
-                <a:schemeClr val="bg1"/>
-              </a:solidFill>
-              <a:latin typeface="+mn-lt"/>
-            </a:endParaRPr>
-          </a:p>
-          <a:p>
-            <a:endParaRPr lang="en-GB" sz="1200" dirty="0">
-              <a:solidFill>
-                <a:schemeClr val="bg1"/>
-              </a:solidFill>
-              <a:latin typeface="+mn-lt"/>
-            </a:endParaRPr>
-          </a:p>
-        </p:txBody>
-      </p:sp>
-    </p:spTree>
-    <p:extLst>
-      <p:ext uri="{BB962C8B-B14F-4D97-AF65-F5344CB8AC3E}">
-        <p14:creationId xmlns:p14="http://schemas.microsoft.com/office/powerpoint/2010/main" val="2336798554"/>
       </p:ext>
     </p:extLst>
   </p:cSld>
